--- a/Lisa Tat Rules of the Building Ringlet/MBC Rules of the Building V4.pptx
+++ b/Lisa Tat Rules of the Building Ringlet/MBC Rules of the Building V4.pptx
@@ -218,7 +218,7 @@
           <a:p>
             <a:fld id="{939C3683-6F67-42FF-A4EB-CE07764678A8}" type="datetimeFigureOut">
               <a:rPr lang="en-US" smtClean="0"/>
-              <a:t>11/27/2017</a:t>
+              <a:t>12/27/2017</a:t>
             </a:fld>
             <a:endParaRPr lang="en-US"/>
           </a:p>
@@ -789,7 +789,7 @@
           <a:p>
             <a:fld id="{E9EC8B0C-94A6-4E2A-AD9D-DC395D906229}" type="datetimeFigureOut">
               <a:rPr lang="en-US" smtClean="0"/>
-              <a:t>11/27/2017</a:t>
+              <a:t>12/27/2017</a:t>
             </a:fld>
             <a:endParaRPr lang="en-US"/>
           </a:p>
@@ -1187,7 +1187,7 @@
           <a:p>
             <a:fld id="{E9EC8B0C-94A6-4E2A-AD9D-DC395D906229}" type="datetimeFigureOut">
               <a:rPr lang="en-US" smtClean="0"/>
-              <a:t>11/27/2017</a:t>
+              <a:t>12/27/2017</a:t>
             </a:fld>
             <a:endParaRPr lang="en-US"/>
           </a:p>
@@ -2332,7 +2332,7 @@
           <a:p>
             <a:fld id="{E9EC8B0C-94A6-4E2A-AD9D-DC395D906229}" type="datetimeFigureOut">
               <a:rPr lang="en-US" smtClean="0"/>
-              <a:t>11/27/2017</a:t>
+              <a:t>12/27/2017</a:t>
             </a:fld>
             <a:endParaRPr lang="en-US"/>
           </a:p>
@@ -2434,7 +2434,7 @@
           <a:p>
             <a:fld id="{E9EC8B0C-94A6-4E2A-AD9D-DC395D906229}" type="datetimeFigureOut">
               <a:rPr lang="en-US" smtClean="0"/>
-              <a:t>11/27/2017</a:t>
+              <a:t>12/27/2017</a:t>
             </a:fld>
             <a:endParaRPr lang="en-US"/>
           </a:p>
@@ -2654,7 +2654,7 @@
           <a:p>
             <a:fld id="{E9EC8B0C-94A6-4E2A-AD9D-DC395D906229}" type="datetimeFigureOut">
               <a:rPr lang="en-US" smtClean="0"/>
-              <a:t>11/27/2017</a:t>
+              <a:t>12/27/2017</a:t>
             </a:fld>
             <a:endParaRPr lang="en-US"/>
           </a:p>
@@ -3237,11 +3237,7 @@
             </a:r>
             <a:r>
               <a:rPr lang="en-US" sz="2400" dirty="0" smtClean="0"/>
-              <a:t> floor (badge reader access</a:t>
-            </a:r>
-            <a:r>
-              <a:rPr lang="en-US" sz="2400" dirty="0" smtClean="0"/>
-              <a:t>) – </a:t>
+              <a:t> floor (badge reader access) – </a:t>
             </a:r>
             <a:r>
               <a:rPr lang="en-US" sz="2400" b="1" dirty="0" smtClean="0"/>
@@ -3300,15 +3296,7 @@
             </a:pPr>
             <a:r>
               <a:rPr lang="en-US" sz="2400" dirty="0" smtClean="0"/>
-              <a:t>No locker </a:t>
-            </a:r>
-            <a:r>
-              <a:rPr lang="en-US" sz="2400" dirty="0" smtClean="0"/>
-              <a:t>available– </a:t>
-            </a:r>
-            <a:r>
-              <a:rPr lang="en-US" sz="2400" dirty="0" smtClean="0"/>
-              <a:t>employees will required to store personal belongings in lockers on their floors </a:t>
+              <a:t>No locker available– employees will required to store personal belongings in lockers on their floors </a:t>
             </a:r>
           </a:p>
           <a:p>
@@ -3326,13 +3314,8 @@
             </a:r>
             <a:r>
               <a:rPr lang="en-US" sz="2400" dirty="0" smtClean="0"/>
-              <a:t> floor </a:t>
-            </a:r>
-            <a:r>
-              <a:rPr lang="en-US" sz="2400" dirty="0" smtClean="0"/>
-              <a:t>showers, however items cannot remain stored for day use. </a:t>
-            </a:r>
-            <a:endParaRPr lang="en-US" sz="2400" dirty="0" smtClean="0"/>
+              <a:t> floor showers, however items cannot remain stored for day use. </a:t>
+            </a:r>
           </a:p>
           <a:p>
             <a:endParaRPr lang="en-US" sz="2400" dirty="0"/>
@@ -3567,26 +3550,33 @@
           </a:p>
           <a:p>
             <a:r>
-              <a:rPr lang="en-US" dirty="0" smtClean="0"/>
-              <a:t>Height </a:t>
-            </a:r>
-            <a:r>
-              <a:rPr lang="en-US" dirty="0" smtClean="0"/>
-              <a:t>Restrictions: </a:t>
-            </a:r>
-          </a:p>
-          <a:p>
-            <a:r>
-              <a:rPr lang="en-US" dirty="0" smtClean="0"/>
+              <a:rPr lang="en-US" dirty="0" smtClean="0">
+                <a:solidFill>
+                  <a:srgbClr val="FF0000"/>
+                </a:solidFill>
+              </a:rPr>
+              <a:t>Height Restrictions: </a:t>
+            </a:r>
+          </a:p>
+          <a:p>
+            <a:r>
+              <a:rPr lang="en-US" dirty="0" smtClean="0">
+                <a:solidFill>
+                  <a:srgbClr val="FF0000"/>
+                </a:solidFill>
+              </a:rPr>
               <a:t>Noise Restriction </a:t>
             </a:r>
           </a:p>
           <a:p>
             <a:r>
-              <a:rPr lang="en-US" dirty="0" smtClean="0"/>
+              <a:rPr lang="en-US" dirty="0" smtClean="0">
+                <a:solidFill>
+                  <a:srgbClr val="FF0000"/>
+                </a:solidFill>
+              </a:rPr>
               <a:t>Traffic Flow Details: </a:t>
             </a:r>
-            <a:endParaRPr lang="en-US" dirty="0" smtClean="0"/>
           </a:p>
           <a:p>
             <a:r>
@@ -4700,13 +4690,8 @@
           <a:p>
             <a:r>
               <a:rPr lang="en-US" dirty="0" smtClean="0"/>
-              <a:t>On-Call Rooms – key </a:t>
-            </a:r>
-            <a:r>
-              <a:rPr lang="en-US" dirty="0" smtClean="0"/>
-              <a:t>access </a:t>
-            </a:r>
-            <a:endParaRPr lang="en-US" dirty="0" smtClean="0"/>
+              <a:t>On-Call Rooms – key access </a:t>
+            </a:r>
           </a:p>
           <a:p>
             <a:r>
@@ -5761,7 +5746,6 @@
               <a:rPr lang="en-US" sz="1800" dirty="0" smtClean="0"/>
               <a:t>M/S, L&amp;D and M/S Patient Floors (unless otherwise specified) </a:t>
             </a:r>
-            <a:endParaRPr lang="en-US" sz="1800" dirty="0" smtClean="0"/>
           </a:p>
         </p:txBody>
       </p:sp>
@@ -5818,16 +5802,11 @@
               <a:rPr lang="en-US" sz="1800" dirty="0" smtClean="0"/>
               <a:t>Nourishment Rooms </a:t>
             </a:r>
-            <a:endParaRPr lang="en-US" sz="1800" dirty="0" smtClean="0"/>
           </a:p>
           <a:p>
             <a:r>
               <a:rPr lang="en-US" sz="1800" dirty="0" smtClean="0"/>
-              <a:t>Food </a:t>
-            </a:r>
-            <a:r>
-              <a:rPr lang="en-US" sz="1800" dirty="0" smtClean="0"/>
-              <a:t>&amp; Nutrition Area </a:t>
+              <a:t>Food &amp; Nutrition Area </a:t>
             </a:r>
           </a:p>
           <a:p>
@@ -5867,7 +5846,6 @@
               <a:rPr lang="en-US" sz="1800" dirty="0" smtClean="0"/>
               <a:t>Admitting </a:t>
             </a:r>
-            <a:endParaRPr lang="en-US" sz="1800" dirty="0" smtClean="0"/>
           </a:p>
           <a:p>
             <a:r>
@@ -5892,7 +5870,6 @@
               <a:rPr lang="en-US" sz="1800" dirty="0" smtClean="0"/>
               <a:t>PT/OT Area </a:t>
             </a:r>
-            <a:endParaRPr lang="en-US" sz="1800" dirty="0" smtClean="0"/>
           </a:p>
           <a:p>
             <a:r>
